--- a/Images/Figures_PPT/Torc2MetaPie.pptx
+++ b/Images/Figures_PPT/Torc2MetaPie.pptx
@@ -307,7 +307,7 @@
           <a:p>
             <a:fld id="{E6744CE3-0875-4B69-89C0-6F72D8139561}" type="datetimeFigureOut">
               <a:rPr lang="en-GB" smtClean="0"/>
-              <a:t>15/07/2025</a:t>
+              <a:t>29/07/2025</a:t>
             </a:fld>
             <a:endParaRPr lang="en-GB"/>
           </a:p>
@@ -477,7 +477,7 @@
           <a:p>
             <a:fld id="{E6744CE3-0875-4B69-89C0-6F72D8139561}" type="datetimeFigureOut">
               <a:rPr lang="en-GB" smtClean="0"/>
-              <a:t>15/07/2025</a:t>
+              <a:t>29/07/2025</a:t>
             </a:fld>
             <a:endParaRPr lang="en-GB"/>
           </a:p>
@@ -723,7 +723,7 @@
           <a:p>
             <a:fld id="{E6744CE3-0875-4B69-89C0-6F72D8139561}" type="datetimeFigureOut">
               <a:rPr lang="en-GB" smtClean="0"/>
-              <a:t>15/07/2025</a:t>
+              <a:t>29/07/2025</a:t>
             </a:fld>
             <a:endParaRPr lang="en-GB"/>
           </a:p>
@@ -1011,7 +1011,7 @@
           <a:p>
             <a:fld id="{E6744CE3-0875-4B69-89C0-6F72D8139561}" type="datetimeFigureOut">
               <a:rPr lang="en-GB" smtClean="0"/>
-              <a:t>15/07/2025</a:t>
+              <a:t>29/07/2025</a:t>
             </a:fld>
             <a:endParaRPr lang="en-GB"/>
           </a:p>
@@ -1433,7 +1433,7 @@
           <a:p>
             <a:fld id="{E6744CE3-0875-4B69-89C0-6F72D8139561}" type="datetimeFigureOut">
               <a:rPr lang="en-GB" smtClean="0"/>
-              <a:t>15/07/2025</a:t>
+              <a:t>29/07/2025</a:t>
             </a:fld>
             <a:endParaRPr lang="en-GB"/>
           </a:p>
@@ -1551,7 +1551,7 @@
           <a:p>
             <a:fld id="{E6744CE3-0875-4B69-89C0-6F72D8139561}" type="datetimeFigureOut">
               <a:rPr lang="en-GB" smtClean="0"/>
-              <a:t>15/07/2025</a:t>
+              <a:t>29/07/2025</a:t>
             </a:fld>
             <a:endParaRPr lang="en-GB"/>
           </a:p>
@@ -1646,7 +1646,7 @@
           <a:p>
             <a:fld id="{E6744CE3-0875-4B69-89C0-6F72D8139561}" type="datetimeFigureOut">
               <a:rPr lang="en-GB" smtClean="0"/>
-              <a:t>15/07/2025</a:t>
+              <a:t>29/07/2025</a:t>
             </a:fld>
             <a:endParaRPr lang="en-GB"/>
           </a:p>
@@ -1859,7 +1859,7 @@
           <a:p>
             <a:fld id="{E6744CE3-0875-4B69-89C0-6F72D8139561}" type="datetimeFigureOut">
               <a:rPr lang="en-GB" smtClean="0"/>
-              <a:t>15/07/2025</a:t>
+              <a:t>29/07/2025</a:t>
             </a:fld>
             <a:endParaRPr lang="en-GB"/>
           </a:p>
@@ -2277,8 +2277,8 @@
             <a:bodyPr/>
             <a:lstStyle/>
             <a:p>
-              <a:endParaRPr>
-                <a:latin typeface="Times New Roman" panose="02020603050405020304" pitchFamily="18" charset="0"/>
+              <a:endParaRPr sz="3600">
+                <a:latin typeface="Aptos" panose="020B0004020202020204" pitchFamily="34" charset="0"/>
                 <a:cs typeface="Times New Roman" panose="02020603050405020304" pitchFamily="18" charset="0"/>
               </a:endParaRPr>
             </a:p>
@@ -2509,8 +2509,8 @@
             <a:bodyPr/>
             <a:lstStyle/>
             <a:p>
-              <a:endParaRPr>
-                <a:latin typeface="Times New Roman" panose="02020603050405020304" pitchFamily="18" charset="0"/>
+              <a:endParaRPr sz="3600">
+                <a:latin typeface="Aptos" panose="020B0004020202020204" pitchFamily="34" charset="0"/>
                 <a:cs typeface="Times New Roman" panose="02020603050405020304" pitchFamily="18" charset="0"/>
               </a:endParaRPr>
             </a:p>
@@ -2930,8 +2930,8 @@
             <a:bodyPr/>
             <a:lstStyle/>
             <a:p>
-              <a:endParaRPr>
-                <a:latin typeface="Times New Roman" panose="02020603050405020304" pitchFamily="18" charset="0"/>
+              <a:endParaRPr sz="3600">
+                <a:latin typeface="Aptos" panose="020B0004020202020204" pitchFamily="34" charset="0"/>
                 <a:cs typeface="Times New Roman" panose="02020603050405020304" pitchFamily="18" charset="0"/>
               </a:endParaRPr>
             </a:p>
@@ -3210,8 +3210,8 @@
             <a:bodyPr/>
             <a:lstStyle/>
             <a:p>
-              <a:endParaRPr>
-                <a:latin typeface="Times New Roman" panose="02020603050405020304" pitchFamily="18" charset="0"/>
+              <a:endParaRPr sz="3600">
+                <a:latin typeface="Aptos" panose="020B0004020202020204" pitchFamily="34" charset="0"/>
                 <a:cs typeface="Times New Roman" panose="02020603050405020304" pitchFamily="18" charset="0"/>
               </a:endParaRPr>
             </a:p>
@@ -3661,8 +3661,8 @@
             <a:bodyPr/>
             <a:lstStyle/>
             <a:p>
-              <a:endParaRPr>
-                <a:latin typeface="Times New Roman" panose="02020603050405020304" pitchFamily="18" charset="0"/>
+              <a:endParaRPr sz="3600">
+                <a:latin typeface="Aptos" panose="020B0004020202020204" pitchFamily="34" charset="0"/>
                 <a:cs typeface="Times New Roman" panose="02020603050405020304" pitchFamily="18" charset="0"/>
               </a:endParaRPr>
             </a:p>
@@ -3941,8 +3941,8 @@
             <a:bodyPr/>
             <a:lstStyle/>
             <a:p>
-              <a:endParaRPr>
-                <a:latin typeface="Times New Roman" panose="02020603050405020304" pitchFamily="18" charset="0"/>
+              <a:endParaRPr sz="3600">
+                <a:latin typeface="Aptos" panose="020B0004020202020204" pitchFamily="34" charset="0"/>
                 <a:cs typeface="Times New Roman" panose="02020603050405020304" pitchFamily="18" charset="0"/>
               </a:endParaRPr>
             </a:p>
@@ -3956,7 +3956,7 @@
           </p:nvSpPr>
           <p:spPr>
             <a:xfrm>
-              <a:off x="5515143" y="1223921"/>
+              <a:off x="6336385" y="1375632"/>
               <a:ext cx="1578541" cy="157737"/>
             </a:xfrm>
             <a:prstGeom prst="rect">
@@ -3980,13 +3980,13 @@
                 </a:spcAft>
               </a:pPr>
               <a:r>
-                <a:rPr sz="1707" dirty="0">
+                <a:rPr sz="3600" dirty="0">
                   <a:solidFill>
                     <a:srgbClr val="000000">
                       <a:alpha val="100000"/>
                     </a:srgbClr>
                   </a:solidFill>
-                  <a:latin typeface="Times New Roman" panose="02020603050405020304" pitchFamily="18" charset="0"/>
+                  <a:latin typeface="Aptos" panose="020B0004020202020204" pitchFamily="34" charset="0"/>
                   <a:cs typeface="Times New Roman" panose="02020603050405020304" pitchFamily="18" charset="0"/>
                 </a:rPr>
                 <a:t>Plastid-Parasite </a:t>
@@ -4025,18 +4025,15 @@
                   <a:spcPts val="0"/>
                 </a:spcAft>
               </a:pPr>
-              <a:r>
-                <a:rPr sz="1707" dirty="0">
-                  <a:solidFill>
-                    <a:srgbClr val="000000">
-                      <a:alpha val="100000"/>
-                    </a:srgbClr>
-                  </a:solidFill>
-                  <a:latin typeface="Times New Roman" panose="02020603050405020304" pitchFamily="18" charset="0"/>
-                  <a:cs typeface="Times New Roman" panose="02020603050405020304" pitchFamily="18" charset="0"/>
-                </a:rPr>
-                <a:t> 1.961 %</a:t>
-              </a:r>
+              <a:endParaRPr sz="3600" dirty="0">
+                <a:solidFill>
+                  <a:srgbClr val="000000">
+                    <a:alpha val="100000"/>
+                  </a:srgbClr>
+                </a:solidFill>
+                <a:latin typeface="Aptos" panose="020B0004020202020204" pitchFamily="34" charset="0"/>
+                <a:cs typeface="Times New Roman" panose="02020603050405020304" pitchFamily="18" charset="0"/>
+              </a:endParaRPr>
             </a:p>
           </p:txBody>
         </p:sp>
@@ -4048,7 +4045,7 @@
           </p:nvSpPr>
           <p:spPr>
             <a:xfrm>
-              <a:off x="5816220" y="3340236"/>
+              <a:off x="5739911" y="3925518"/>
               <a:ext cx="2036510" cy="157737"/>
             </a:xfrm>
             <a:prstGeom prst="rect">
@@ -4072,16 +4069,72 @@
                 </a:spcAft>
               </a:pPr>
               <a:r>
-                <a:rPr sz="1707" dirty="0">
+                <a:rPr sz="3600" dirty="0">
                   <a:solidFill>
                     <a:srgbClr val="000000">
                       <a:alpha val="100000"/>
                     </a:srgbClr>
                   </a:solidFill>
-                  <a:latin typeface="Times New Roman" panose="02020603050405020304" pitchFamily="18" charset="0"/>
+                  <a:latin typeface="Aptos" panose="020B0004020202020204" pitchFamily="34" charset="0"/>
                   <a:cs typeface="Times New Roman" panose="02020603050405020304" pitchFamily="18" charset="0"/>
                 </a:rPr>
-                <a:t>Non-Plastid Parasite </a:t>
+                <a:t>Non-Plastid</a:t>
+              </a:r>
+              <a:endParaRPr lang="en-US" sz="3600" dirty="0">
+                <a:solidFill>
+                  <a:srgbClr val="000000">
+                    <a:alpha val="100000"/>
+                  </a:srgbClr>
+                </a:solidFill>
+                <a:latin typeface="Aptos" panose="020B0004020202020204" pitchFamily="34" charset="0"/>
+                <a:cs typeface="Times New Roman" panose="02020603050405020304" pitchFamily="18" charset="0"/>
+              </a:endParaRPr>
+            </a:p>
+            <a:p>
+              <a:pPr marL="0" marR="0" indent="0" algn="l">
+                <a:lnSpc>
+                  <a:spcPts val="1707"/>
+                </a:lnSpc>
+                <a:spcBef>
+                  <a:spcPts val="0"/>
+                </a:spcBef>
+                <a:spcAft>
+                  <a:spcPts val="0"/>
+                </a:spcAft>
+              </a:pPr>
+              <a:endParaRPr lang="en-US" sz="3600" dirty="0">
+                <a:solidFill>
+                  <a:srgbClr val="000000">
+                    <a:alpha val="100000"/>
+                  </a:srgbClr>
+                </a:solidFill>
+                <a:latin typeface="Aptos" panose="020B0004020202020204" pitchFamily="34" charset="0"/>
+                <a:cs typeface="Times New Roman" panose="02020603050405020304" pitchFamily="18" charset="0"/>
+              </a:endParaRPr>
+            </a:p>
+            <a:p>
+              <a:pPr marL="0" marR="0" indent="0" algn="l">
+                <a:lnSpc>
+                  <a:spcPts val="1707"/>
+                </a:lnSpc>
+                <a:spcBef>
+                  <a:spcPts val="0"/>
+                </a:spcBef>
+                <a:spcAft>
+                  <a:spcPts val="0"/>
+                </a:spcAft>
+              </a:pPr>
+              <a:r>
+                <a:rPr sz="3600" dirty="0">
+                  <a:solidFill>
+                    <a:srgbClr val="000000">
+                      <a:alpha val="100000"/>
+                    </a:srgbClr>
+                  </a:solidFill>
+                  <a:latin typeface="Aptos" panose="020B0004020202020204" pitchFamily="34" charset="0"/>
+                  <a:cs typeface="Times New Roman" panose="02020603050405020304" pitchFamily="18" charset="0"/>
+                </a:rPr>
+                <a:t> Parasite </a:t>
               </a:r>
             </a:p>
           </p:txBody>
@@ -4117,18 +4170,15 @@
                   <a:spcPts val="0"/>
                 </a:spcAft>
               </a:pPr>
-              <a:r>
-                <a:rPr sz="1707" dirty="0">
-                  <a:solidFill>
-                    <a:srgbClr val="000000">
-                      <a:alpha val="100000"/>
-                    </a:srgbClr>
-                  </a:solidFill>
-                  <a:latin typeface="Times New Roman" panose="02020603050405020304" pitchFamily="18" charset="0"/>
-                  <a:cs typeface="Times New Roman" panose="02020603050405020304" pitchFamily="18" charset="0"/>
-                </a:rPr>
-                <a:t> 35.948 %</a:t>
-              </a:r>
+              <a:endParaRPr sz="3600" dirty="0">
+                <a:solidFill>
+                  <a:srgbClr val="000000">
+                    <a:alpha val="100000"/>
+                  </a:srgbClr>
+                </a:solidFill>
+                <a:latin typeface="Aptos" panose="020B0004020202020204" pitchFamily="34" charset="0"/>
+                <a:cs typeface="Times New Roman" panose="02020603050405020304" pitchFamily="18" charset="0"/>
+              </a:endParaRPr>
             </a:p>
           </p:txBody>
         </p:sp>
@@ -4140,7 +4190,7 @@
           </p:nvSpPr>
           <p:spPr>
             <a:xfrm>
-              <a:off x="5894275" y="5798231"/>
+              <a:off x="6488099" y="6899897"/>
               <a:ext cx="1012168" cy="198283"/>
             </a:xfrm>
             <a:prstGeom prst="rect">
@@ -4164,62 +4214,16 @@
                 </a:spcAft>
               </a:pPr>
               <a:r>
-                <a:rPr sz="1707" dirty="0">
+                <a:rPr sz="3600" dirty="0">
                   <a:solidFill>
                     <a:srgbClr val="000000">
                       <a:alpha val="100000"/>
                     </a:srgbClr>
                   </a:solidFill>
-                  <a:latin typeface="Times New Roman" panose="02020603050405020304" pitchFamily="18" charset="0"/>
+                  <a:latin typeface="Aptos" panose="020B0004020202020204" pitchFamily="34" charset="0"/>
                   <a:cs typeface="Times New Roman" panose="02020603050405020304" pitchFamily="18" charset="0"/>
                 </a:rPr>
                 <a:t>Mixotroph </a:t>
-              </a:r>
-            </a:p>
-          </p:txBody>
-        </p:sp>
-        <p:sp>
-          <p:nvSpPr>
-            <p:cNvPr id="15" name="tx14"/>
-            <p:cNvSpPr/>
-            <p:nvPr/>
-          </p:nvSpPr>
-          <p:spPr>
-            <a:xfrm>
-              <a:off x="5894275" y="6110383"/>
-              <a:ext cx="976386" cy="163560"/>
-            </a:xfrm>
-            <a:prstGeom prst="rect">
-              <a:avLst/>
-            </a:prstGeom>
-            <a:noFill/>
-          </p:spPr>
-          <p:txBody>
-            <a:bodyPr wrap="none" lIns="0" tIns="0" rIns="0" bIns="0" anchor="ctr" anchorCtr="1"/>
-            <a:lstStyle/>
-            <a:p>
-              <a:pPr marL="0" marR="0" indent="0" algn="l">
-                <a:lnSpc>
-                  <a:spcPts val="1707"/>
-                </a:lnSpc>
-                <a:spcBef>
-                  <a:spcPts val="0"/>
-                </a:spcBef>
-                <a:spcAft>
-                  <a:spcPts val="0"/>
-                </a:spcAft>
-              </a:pPr>
-              <a:r>
-                <a:rPr sz="1707" dirty="0">
-                  <a:solidFill>
-                    <a:srgbClr val="000000">
-                      <a:alpha val="100000"/>
-                    </a:srgbClr>
-                  </a:solidFill>
-                  <a:latin typeface="Times New Roman" panose="02020603050405020304" pitchFamily="18" charset="0"/>
-                  <a:cs typeface="Times New Roman" panose="02020603050405020304" pitchFamily="18" charset="0"/>
-                </a:rPr>
-                <a:t> 10.458 %</a:t>
               </a:r>
             </a:p>
           </p:txBody>
@@ -4256,62 +4260,16 @@
                 </a:spcAft>
               </a:pPr>
               <a:r>
-                <a:rPr sz="1707">
+                <a:rPr sz="3600" dirty="0">
                   <a:solidFill>
                     <a:srgbClr val="000000">
                       <a:alpha val="100000"/>
                     </a:srgbClr>
                   </a:solidFill>
-                  <a:latin typeface="Times New Roman" panose="02020603050405020304" pitchFamily="18" charset="0"/>
+                  <a:latin typeface="Aptos" panose="020B0004020202020204" pitchFamily="34" charset="0"/>
                   <a:cs typeface="Times New Roman" panose="02020603050405020304" pitchFamily="18" charset="0"/>
                 </a:rPr>
                 <a:t>Heterotroph </a:t>
-              </a:r>
-            </a:p>
-          </p:txBody>
-        </p:sp>
-        <p:sp>
-          <p:nvSpPr>
-            <p:cNvPr id="17" name="tx16"/>
-            <p:cNvSpPr/>
-            <p:nvPr/>
-          </p:nvSpPr>
-          <p:spPr>
-            <a:xfrm>
-              <a:off x="3877302" y="4702339"/>
-              <a:ext cx="976386" cy="163560"/>
-            </a:xfrm>
-            <a:prstGeom prst="rect">
-              <a:avLst/>
-            </a:prstGeom>
-            <a:noFill/>
-          </p:spPr>
-          <p:txBody>
-            <a:bodyPr wrap="none" lIns="0" tIns="0" rIns="0" bIns="0" anchor="ctr" anchorCtr="1"/>
-            <a:lstStyle/>
-            <a:p>
-              <a:pPr marL="0" marR="0" indent="0" algn="l">
-                <a:lnSpc>
-                  <a:spcPts val="1707"/>
-                </a:lnSpc>
-                <a:spcBef>
-                  <a:spcPts val="0"/>
-                </a:spcBef>
-                <a:spcAft>
-                  <a:spcPts val="0"/>
-                </a:spcAft>
-              </a:pPr>
-              <a:r>
-                <a:rPr sz="1707" dirty="0">
-                  <a:solidFill>
-                    <a:srgbClr val="000000">
-                      <a:alpha val="100000"/>
-                    </a:srgbClr>
-                  </a:solidFill>
-                  <a:latin typeface="Times New Roman" panose="02020603050405020304" pitchFamily="18" charset="0"/>
-                  <a:cs typeface="Times New Roman" panose="02020603050405020304" pitchFamily="18" charset="0"/>
-                </a:rPr>
-                <a:t> 41.176 %</a:t>
               </a:r>
             </a:p>
           </p:txBody>
@@ -4324,7 +4282,7 @@
           </p:nvSpPr>
           <p:spPr>
             <a:xfrm>
-              <a:off x="4322997" y="2085329"/>
+              <a:off x="3617029" y="1557360"/>
               <a:ext cx="1156990" cy="198283"/>
             </a:xfrm>
             <a:prstGeom prst="rect">
@@ -4348,16 +4306,28 @@
                 </a:spcAft>
               </a:pPr>
               <a:r>
-                <a:rPr sz="1707" dirty="0">
+                <a:rPr lang="en-US" sz="3600" dirty="0">
                   <a:solidFill>
                     <a:srgbClr val="000000">
                       <a:alpha val="100000"/>
                     </a:srgbClr>
                   </a:solidFill>
-                  <a:latin typeface="Times New Roman" panose="02020603050405020304" pitchFamily="18" charset="0"/>
+                  <a:latin typeface="Aptos" panose="020B0004020202020204" pitchFamily="34" charset="0"/>
                   <a:cs typeface="Times New Roman" panose="02020603050405020304" pitchFamily="18" charset="0"/>
                 </a:rPr>
-                <a:t>Autotrophic </a:t>
+                <a:t>Autotroph</a:t>
+              </a:r>
+              <a:r>
+                <a:rPr sz="3600" dirty="0">
+                  <a:solidFill>
+                    <a:srgbClr val="000000">
+                      <a:alpha val="100000"/>
+                    </a:srgbClr>
+                  </a:solidFill>
+                  <a:latin typeface="Aptos" panose="020B0004020202020204" pitchFamily="34" charset="0"/>
+                  <a:cs typeface="Times New Roman" panose="02020603050405020304" pitchFamily="18" charset="0"/>
+                </a:rPr>
+                <a:t> </a:t>
               </a:r>
             </a:p>
           </p:txBody>
@@ -4370,7 +4340,7 @@
           </p:nvSpPr>
           <p:spPr>
             <a:xfrm>
-              <a:off x="4422053" y="2381107"/>
+              <a:off x="3850338" y="1667787"/>
               <a:ext cx="976386" cy="163560"/>
             </a:xfrm>
             <a:prstGeom prst="rect">
@@ -4393,64 +4363,15 @@
                   <a:spcPts val="0"/>
                 </a:spcAft>
               </a:pPr>
-              <a:r>
-                <a:rPr sz="1707" dirty="0">
-                  <a:solidFill>
-                    <a:srgbClr val="000000">
-                      <a:alpha val="100000"/>
-                    </a:srgbClr>
-                  </a:solidFill>
-                  <a:latin typeface="Times New Roman" panose="02020603050405020304" pitchFamily="18" charset="0"/>
-                  <a:cs typeface="Times New Roman" panose="02020603050405020304" pitchFamily="18" charset="0"/>
-                </a:rPr>
-                <a:t> 10.458 %</a:t>
-              </a:r>
-            </a:p>
-          </p:txBody>
-        </p:sp>
-        <p:sp>
-          <p:nvSpPr>
-            <p:cNvPr id="20" name="tx19"/>
-            <p:cNvSpPr/>
-            <p:nvPr/>
-          </p:nvSpPr>
-          <p:spPr>
-            <a:xfrm>
-              <a:off x="914400" y="949325"/>
-              <a:ext cx="3515283" cy="152578"/>
-            </a:xfrm>
-            <a:prstGeom prst="rect">
-              <a:avLst/>
-            </a:prstGeom>
-            <a:noFill/>
-          </p:spPr>
-          <p:txBody>
-            <a:bodyPr wrap="none" lIns="0" tIns="0" rIns="0" bIns="0" anchor="ctr" anchorCtr="1"/>
-            <a:lstStyle/>
-            <a:p>
-              <a:pPr marL="0" marR="0" indent="0" algn="l">
-                <a:lnSpc>
-                  <a:spcPts val="1320"/>
-                </a:lnSpc>
-                <a:spcBef>
-                  <a:spcPts val="0"/>
-                </a:spcBef>
-                <a:spcAft>
-                  <a:spcPts val="0"/>
-                </a:spcAft>
-              </a:pPr>
-              <a:r>
-                <a:rPr sz="1320" dirty="0">
-                  <a:solidFill>
-                    <a:srgbClr val="000000">
-                      <a:alpha val="100000"/>
-                    </a:srgbClr>
-                  </a:solidFill>
-                  <a:latin typeface="Times New Roman" panose="02020603050405020304" pitchFamily="18" charset="0"/>
-                  <a:cs typeface="Times New Roman" panose="02020603050405020304" pitchFamily="18" charset="0"/>
-                </a:rPr>
-                <a:t>Metabolic Strategies Breakdown TORC1 &amp; TORC2</a:t>
-              </a:r>
+              <a:endParaRPr sz="3600" dirty="0">
+                <a:solidFill>
+                  <a:srgbClr val="000000">
+                    <a:alpha val="100000"/>
+                  </a:srgbClr>
+                </a:solidFill>
+                <a:latin typeface="Aptos" panose="020B0004020202020204" pitchFamily="34" charset="0"/>
+                <a:cs typeface="Times New Roman" panose="02020603050405020304" pitchFamily="18" charset="0"/>
+              </a:endParaRPr>
             </a:p>
           </p:txBody>
         </p:sp>
